--- a/超越入門！Webpack 前端自動化開發.pptx
+++ b/超越入門！Webpack 前端自動化開發.pptx
@@ -398,7 +398,7 @@
           <a:p>
             <a:fld id="{C3021F6F-6F99-4319-AE6F-AE3C5A992A21}" type="datetimeFigureOut">
               <a:rPr lang="zh-TW" altLang="en-US" smtClean="0"/>
-              <a:t>2018/12/22</a:t>
+              <a:t>2019/1/20</a:t>
             </a:fld>
             <a:endParaRPr lang="zh-TW" altLang="en-US"/>
           </a:p>
@@ -568,7 +568,7 @@
           <a:p>
             <a:fld id="{C3021F6F-6F99-4319-AE6F-AE3C5A992A21}" type="datetimeFigureOut">
               <a:rPr lang="zh-TW" altLang="en-US" smtClean="0"/>
-              <a:t>2018/12/22</a:t>
+              <a:t>2019/1/20</a:t>
             </a:fld>
             <a:endParaRPr lang="zh-TW" altLang="en-US"/>
           </a:p>
@@ -748,7 +748,7 @@
           <a:p>
             <a:fld id="{C3021F6F-6F99-4319-AE6F-AE3C5A992A21}" type="datetimeFigureOut">
               <a:rPr lang="zh-TW" altLang="en-US" smtClean="0"/>
-              <a:t>2018/12/22</a:t>
+              <a:t>2019/1/20</a:t>
             </a:fld>
             <a:endParaRPr lang="zh-TW" altLang="en-US"/>
           </a:p>
@@ -918,7 +918,7 @@
           <a:p>
             <a:fld id="{C3021F6F-6F99-4319-AE6F-AE3C5A992A21}" type="datetimeFigureOut">
               <a:rPr lang="zh-TW" altLang="en-US" smtClean="0"/>
-              <a:t>2018/12/22</a:t>
+              <a:t>2019/1/20</a:t>
             </a:fld>
             <a:endParaRPr lang="zh-TW" altLang="en-US"/>
           </a:p>
@@ -1164,7 +1164,7 @@
           <a:p>
             <a:fld id="{C3021F6F-6F99-4319-AE6F-AE3C5A992A21}" type="datetimeFigureOut">
               <a:rPr lang="zh-TW" altLang="en-US" smtClean="0"/>
-              <a:t>2018/12/22</a:t>
+              <a:t>2019/1/20</a:t>
             </a:fld>
             <a:endParaRPr lang="zh-TW" altLang="en-US"/>
           </a:p>
@@ -1396,7 +1396,7 @@
           <a:p>
             <a:fld id="{C3021F6F-6F99-4319-AE6F-AE3C5A992A21}" type="datetimeFigureOut">
               <a:rPr lang="zh-TW" altLang="en-US" smtClean="0"/>
-              <a:t>2018/12/22</a:t>
+              <a:t>2019/1/20</a:t>
             </a:fld>
             <a:endParaRPr lang="zh-TW" altLang="en-US"/>
           </a:p>
@@ -1763,7 +1763,7 @@
           <a:p>
             <a:fld id="{C3021F6F-6F99-4319-AE6F-AE3C5A992A21}" type="datetimeFigureOut">
               <a:rPr lang="zh-TW" altLang="en-US" smtClean="0"/>
-              <a:t>2018/12/22</a:t>
+              <a:t>2019/1/20</a:t>
             </a:fld>
             <a:endParaRPr lang="zh-TW" altLang="en-US"/>
           </a:p>
@@ -1881,7 +1881,7 @@
           <a:p>
             <a:fld id="{C3021F6F-6F99-4319-AE6F-AE3C5A992A21}" type="datetimeFigureOut">
               <a:rPr lang="zh-TW" altLang="en-US" smtClean="0"/>
-              <a:t>2018/12/22</a:t>
+              <a:t>2019/1/20</a:t>
             </a:fld>
             <a:endParaRPr lang="zh-TW" altLang="en-US"/>
           </a:p>
@@ -1976,7 +1976,7 @@
           <a:p>
             <a:fld id="{C3021F6F-6F99-4319-AE6F-AE3C5A992A21}" type="datetimeFigureOut">
               <a:rPr lang="zh-TW" altLang="en-US" smtClean="0"/>
-              <a:t>2018/12/22</a:t>
+              <a:t>2019/1/20</a:t>
             </a:fld>
             <a:endParaRPr lang="zh-TW" altLang="en-US"/>
           </a:p>
@@ -2253,7 +2253,7 @@
           <a:p>
             <a:fld id="{C3021F6F-6F99-4319-AE6F-AE3C5A992A21}" type="datetimeFigureOut">
               <a:rPr lang="zh-TW" altLang="en-US" smtClean="0"/>
-              <a:t>2018/12/22</a:t>
+              <a:t>2019/1/20</a:t>
             </a:fld>
             <a:endParaRPr lang="zh-TW" altLang="en-US"/>
           </a:p>
@@ -2506,7 +2506,7 @@
           <a:p>
             <a:fld id="{C3021F6F-6F99-4319-AE6F-AE3C5A992A21}" type="datetimeFigureOut">
               <a:rPr lang="zh-TW" altLang="en-US" smtClean="0"/>
-              <a:t>2018/12/22</a:t>
+              <a:t>2019/1/20</a:t>
             </a:fld>
             <a:endParaRPr lang="zh-TW" altLang="en-US"/>
           </a:p>
@@ -2722,7 +2722,7 @@
           <a:p>
             <a:fld id="{C3021F6F-6F99-4319-AE6F-AE3C5A992A21}" type="datetimeFigureOut">
               <a:rPr lang="zh-TW" altLang="en-US" smtClean="0"/>
-              <a:t>2018/12/22</a:t>
+              <a:t>2019/1/20</a:t>
             </a:fld>
             <a:endParaRPr lang="zh-TW" altLang="en-US"/>
           </a:p>
@@ -47863,10 +47863,19 @@
                 </a:solidFill>
                 <a:latin typeface="Consolas" panose="020B0609020204030204" pitchFamily="49" charset="0"/>
               </a:rPr>
-              <a:t>'babel-</a:t>
-            </a:r>
-            <a:r>
-              <a:rPr lang="en-US" altLang="zh-TW" dirty="0" err="1">
+              <a:t>'@</a:t>
+            </a:r>
+            <a:r>
+              <a:rPr lang="en-US" altLang="zh-TW" dirty="0" smtClean="0">
+                <a:solidFill>
+                  <a:srgbClr val="FFEE99"/>
+                </a:solidFill>
+                <a:latin typeface="Consolas" panose="020B0609020204030204" pitchFamily="49" charset="0"/>
+              </a:rPr>
+              <a:t>babel/</a:t>
+            </a:r>
+            <a:r>
+              <a:rPr lang="en-US" altLang="zh-TW" dirty="0" err="1" smtClean="0">
                 <a:solidFill>
                   <a:srgbClr val="FFEE99"/>
                 </a:solidFill>
@@ -47875,7 +47884,7 @@
               <a:t>polyfill</a:t>
             </a:r>
             <a:r>
-              <a:rPr lang="en-US" altLang="zh-TW" dirty="0">
+              <a:rPr lang="en-US" altLang="zh-TW" dirty="0" smtClean="0">
                 <a:solidFill>
                   <a:srgbClr val="FFEE99"/>
                 </a:solidFill>
@@ -47884,7 +47893,7 @@
               <a:t>'</a:t>
             </a:r>
             <a:r>
-              <a:rPr lang="en-US" altLang="zh-TW" dirty="0">
+              <a:rPr lang="en-US" altLang="zh-TW" dirty="0" smtClean="0">
                 <a:solidFill>
                   <a:srgbClr val="F8F8F2"/>
                 </a:solidFill>
